--- a/CalendarioAgo2022/presentaciones/POO_Polimorfismo.pptx
+++ b/CalendarioAgo2022/presentaciones/POO_Polimorfismo.pptx
@@ -216,7 +216,7 @@
           <a:p>
             <a:fld id="{DDE721D5-655F-45D2-B717-3C4CD78C8568}" type="datetimeFigureOut">
               <a:rPr lang="es-MX" smtClean="0"/>
-              <a:t>14/08/2022</a:t>
+              <a:t>28/08/2022</a:t>
             </a:fld>
             <a:endParaRPr lang="es-MX" dirty="0"/>
           </a:p>
@@ -665,7 +665,7 @@
           <a:p>
             <a:fld id="{B3F3E716-CACC-4490-AD07-F24B6A68DE47}" type="datetimeFigureOut">
               <a:rPr lang="es-MX" smtClean="0"/>
-              <a:t>14/08/2022</a:t>
+              <a:t>28/08/2022</a:t>
             </a:fld>
             <a:endParaRPr lang="es-MX" dirty="0"/>
           </a:p>
@@ -835,7 +835,7 @@
           <a:p>
             <a:fld id="{B3F3E716-CACC-4490-AD07-F24B6A68DE47}" type="datetimeFigureOut">
               <a:rPr lang="es-MX" smtClean="0"/>
-              <a:t>14/08/2022</a:t>
+              <a:t>28/08/2022</a:t>
             </a:fld>
             <a:endParaRPr lang="es-MX" dirty="0"/>
           </a:p>
@@ -1015,7 +1015,7 @@
           <a:p>
             <a:fld id="{B3F3E716-CACC-4490-AD07-F24B6A68DE47}" type="datetimeFigureOut">
               <a:rPr lang="es-MX" smtClean="0"/>
-              <a:t>14/08/2022</a:t>
+              <a:t>28/08/2022</a:t>
             </a:fld>
             <a:endParaRPr lang="es-MX" dirty="0"/>
           </a:p>
@@ -1168,7 +1168,7 @@
           <a:p>
             <a:fld id="{1D8BD707-D9CF-40AE-B4C6-C98DA3205C09}" type="datetimeFigureOut">
               <a:rPr lang="en-US" smtClean="0"/>
-              <a:t>8/14/2022</a:t>
+              <a:t>8/28/2022</a:t>
             </a:fld>
             <a:endParaRPr lang="en-US" dirty="0"/>
           </a:p>
@@ -1625,7 +1625,7 @@
           <a:p>
             <a:fld id="{B3F3E716-CACC-4490-AD07-F24B6A68DE47}" type="datetimeFigureOut">
               <a:rPr lang="es-MX" smtClean="0"/>
-              <a:t>14/08/2022</a:t>
+              <a:t>28/08/2022</a:t>
             </a:fld>
             <a:endParaRPr lang="es-MX" dirty="0"/>
           </a:p>
@@ -1871,7 +1871,7 @@
           <a:p>
             <a:fld id="{B3F3E716-CACC-4490-AD07-F24B6A68DE47}" type="datetimeFigureOut">
               <a:rPr lang="es-MX" smtClean="0"/>
-              <a:t>14/08/2022</a:t>
+              <a:t>28/08/2022</a:t>
             </a:fld>
             <a:endParaRPr lang="es-MX" dirty="0"/>
           </a:p>
@@ -2159,7 +2159,7 @@
           <a:p>
             <a:fld id="{B3F3E716-CACC-4490-AD07-F24B6A68DE47}" type="datetimeFigureOut">
               <a:rPr lang="es-MX" smtClean="0"/>
-              <a:t>14/08/2022</a:t>
+              <a:t>28/08/2022</a:t>
             </a:fld>
             <a:endParaRPr lang="es-MX" dirty="0"/>
           </a:p>
@@ -2581,7 +2581,7 @@
           <a:p>
             <a:fld id="{B3F3E716-CACC-4490-AD07-F24B6A68DE47}" type="datetimeFigureOut">
               <a:rPr lang="es-MX" smtClean="0"/>
-              <a:t>14/08/2022</a:t>
+              <a:t>28/08/2022</a:t>
             </a:fld>
             <a:endParaRPr lang="es-MX" dirty="0"/>
           </a:p>
@@ -2699,7 +2699,7 @@
           <a:p>
             <a:fld id="{B3F3E716-CACC-4490-AD07-F24B6A68DE47}" type="datetimeFigureOut">
               <a:rPr lang="es-MX" smtClean="0"/>
-              <a:t>14/08/2022</a:t>
+              <a:t>28/08/2022</a:t>
             </a:fld>
             <a:endParaRPr lang="es-MX" dirty="0"/>
           </a:p>
@@ -2794,7 +2794,7 @@
           <a:p>
             <a:fld id="{B3F3E716-CACC-4490-AD07-F24B6A68DE47}" type="datetimeFigureOut">
               <a:rPr lang="es-MX" smtClean="0"/>
-              <a:t>14/08/2022</a:t>
+              <a:t>28/08/2022</a:t>
             </a:fld>
             <a:endParaRPr lang="es-MX" dirty="0"/>
           </a:p>
@@ -3071,7 +3071,7 @@
           <a:p>
             <a:fld id="{B3F3E716-CACC-4490-AD07-F24B6A68DE47}" type="datetimeFigureOut">
               <a:rPr lang="es-MX" smtClean="0"/>
-              <a:t>14/08/2022</a:t>
+              <a:t>28/08/2022</a:t>
             </a:fld>
             <a:endParaRPr lang="es-MX" dirty="0"/>
           </a:p>
@@ -3324,7 +3324,7 @@
           <a:p>
             <a:fld id="{B3F3E716-CACC-4490-AD07-F24B6A68DE47}" type="datetimeFigureOut">
               <a:rPr lang="es-MX" smtClean="0"/>
-              <a:t>14/08/2022</a:t>
+              <a:t>28/08/2022</a:t>
             </a:fld>
             <a:endParaRPr lang="es-MX" dirty="0"/>
           </a:p>
@@ -3537,7 +3537,7 @@
           <a:p>
             <a:fld id="{B3F3E716-CACC-4490-AD07-F24B6A68DE47}" type="datetimeFigureOut">
               <a:rPr lang="es-MX" smtClean="0"/>
-              <a:t>14/08/2022</a:t>
+              <a:t>28/08/2022</a:t>
             </a:fld>
             <a:endParaRPr lang="es-MX" dirty="0"/>
           </a:p>
